--- a/Slack_FP/data/Slack-F.P..pptx
+++ b/Slack_FP/data/Slack-F.P..pptx
@@ -7,6 +7,7 @@
   <p:sldIdLst>
     <p:sldId id="256" r:id="rId2"/>
     <p:sldId id="257" r:id="rId3"/>
+    <p:sldId id="258" r:id="rId4"/>
   </p:sldIdLst>
   <p:sldSz cx="12192000" cy="6858000"/>
   <p:notesSz cx="6858000" cy="9144000"/>
@@ -105,7 +106,34 @@
       </a:defRPr>
     </a:lvl9pPr>
   </p:defaultTextStyle>
+  <p:extLst>
+    <p:ext uri="{EFAFB233-063F-42B5-8137-9DF3F51BA10A}">
+      <p15:sldGuideLst xmlns:p15="http://schemas.microsoft.com/office/powerpoint/2012/main"/>
+    </p:ext>
+  </p:extLst>
 </p:presentation>
+</file>
+
+<file path=ppt/activeX/activeX1.xml><?xml version="1.0" encoding="utf-8"?>
+<ax:ocx xmlns:ax="http://schemas.microsoft.com/office/2006/activeX" xmlns:r="http://schemas.openxmlformats.org/officeDocument/2006/relationships" ax:classid="{8856F961-340A-11D0-A96B-00C04FD705A2}" ax:persistence="persistPropertyBag">
+  <ax:ocxPr ax:name="ExtentX" ax:value="33867"/>
+  <ax:ocxPr ax:name="ExtentY" ax:value="19050"/>
+  <ax:ocxPr ax:name="ViewMode" ax:value="0"/>
+  <ax:ocxPr ax:name="Offline" ax:value="0"/>
+  <ax:ocxPr ax:name="Silent" ax:value="1"/>
+  <ax:ocxPr ax:name="RegisterAsBrowser" ax:value="0"/>
+  <ax:ocxPr ax:name="RegisterAsDropTarget" ax:value="1"/>
+  <ax:ocxPr ax:name="AutoArrange" ax:value="0"/>
+  <ax:ocxPr ax:name="NoClientEdge" ax:value="0"/>
+  <ax:ocxPr ax:name="AlignLeft" ax:value="0"/>
+  <ax:ocxPr ax:name="NoWebView" ax:value="0"/>
+  <ax:ocxPr ax:name="HideFileNames" ax:value="0"/>
+  <ax:ocxPr ax:name="SingleClick" ax:value="0"/>
+  <ax:ocxPr ax:name="SingleSelection" ax:value="0"/>
+  <ax:ocxPr ax:name="NoFolders" ax:value="0"/>
+  <ax:ocxPr ax:name="Transparent" ax:value="0"/>
+  <ax:ocxPr ax:name="Location" ax:value=""/>
+</ax:ocx>
 </file>
 
 <file path=ppt/slideLayouts/slideLayout1.xml><?xml version="1.0" encoding="utf-8"?>
@@ -257,7 +285,7 @@
           <a:p>
             <a:fld id="{1F6196E6-A1E2-498F-A5E6-F2CEE67873E6}" type="datetimeFigureOut">
               <a:rPr lang="es-ES" smtClean="0"/>
-              <a:t>13/08/2021</a:t>
+              <a:t>17/08/2021</a:t>
             </a:fld>
             <a:endParaRPr lang="es-ES"/>
           </a:p>
@@ -457,7 +485,7 @@
           <a:p>
             <a:fld id="{1F6196E6-A1E2-498F-A5E6-F2CEE67873E6}" type="datetimeFigureOut">
               <a:rPr lang="es-ES" smtClean="0"/>
-              <a:t>13/08/2021</a:t>
+              <a:t>17/08/2021</a:t>
             </a:fld>
             <a:endParaRPr lang="es-ES"/>
           </a:p>
@@ -667,7 +695,7 @@
           <a:p>
             <a:fld id="{1F6196E6-A1E2-498F-A5E6-F2CEE67873E6}" type="datetimeFigureOut">
               <a:rPr lang="es-ES" smtClean="0"/>
-              <a:t>13/08/2021</a:t>
+              <a:t>17/08/2021</a:t>
             </a:fld>
             <a:endParaRPr lang="es-ES"/>
           </a:p>
@@ -867,7 +895,7 @@
           <a:p>
             <a:fld id="{1F6196E6-A1E2-498F-A5E6-F2CEE67873E6}" type="datetimeFigureOut">
               <a:rPr lang="es-ES" smtClean="0"/>
-              <a:t>13/08/2021</a:t>
+              <a:t>17/08/2021</a:t>
             </a:fld>
             <a:endParaRPr lang="es-ES"/>
           </a:p>
@@ -1143,7 +1171,7 @@
           <a:p>
             <a:fld id="{1F6196E6-A1E2-498F-A5E6-F2CEE67873E6}" type="datetimeFigureOut">
               <a:rPr lang="es-ES" smtClean="0"/>
-              <a:t>13/08/2021</a:t>
+              <a:t>17/08/2021</a:t>
             </a:fld>
             <a:endParaRPr lang="es-ES"/>
           </a:p>
@@ -1411,7 +1439,7 @@
           <a:p>
             <a:fld id="{1F6196E6-A1E2-498F-A5E6-F2CEE67873E6}" type="datetimeFigureOut">
               <a:rPr lang="es-ES" smtClean="0"/>
-              <a:t>13/08/2021</a:t>
+              <a:t>17/08/2021</a:t>
             </a:fld>
             <a:endParaRPr lang="es-ES"/>
           </a:p>
@@ -1826,7 +1854,7 @@
           <a:p>
             <a:fld id="{1F6196E6-A1E2-498F-A5E6-F2CEE67873E6}" type="datetimeFigureOut">
               <a:rPr lang="es-ES" smtClean="0"/>
-              <a:t>13/08/2021</a:t>
+              <a:t>17/08/2021</a:t>
             </a:fld>
             <a:endParaRPr lang="es-ES"/>
           </a:p>
@@ -1968,7 +1996,7 @@
           <a:p>
             <a:fld id="{1F6196E6-A1E2-498F-A5E6-F2CEE67873E6}" type="datetimeFigureOut">
               <a:rPr lang="es-ES" smtClean="0"/>
-              <a:t>13/08/2021</a:t>
+              <a:t>17/08/2021</a:t>
             </a:fld>
             <a:endParaRPr lang="es-ES"/>
           </a:p>
@@ -2081,7 +2109,7 @@
           <a:p>
             <a:fld id="{1F6196E6-A1E2-498F-A5E6-F2CEE67873E6}" type="datetimeFigureOut">
               <a:rPr lang="es-ES" smtClean="0"/>
-              <a:t>13/08/2021</a:t>
+              <a:t>17/08/2021</a:t>
             </a:fld>
             <a:endParaRPr lang="es-ES"/>
           </a:p>
@@ -2394,7 +2422,7 @@
           <a:p>
             <a:fld id="{1F6196E6-A1E2-498F-A5E6-F2CEE67873E6}" type="datetimeFigureOut">
               <a:rPr lang="es-ES" smtClean="0"/>
-              <a:t>13/08/2021</a:t>
+              <a:t>17/08/2021</a:t>
             </a:fld>
             <a:endParaRPr lang="es-ES"/>
           </a:p>
@@ -2683,7 +2711,7 @@
           <a:p>
             <a:fld id="{1F6196E6-A1E2-498F-A5E6-F2CEE67873E6}" type="datetimeFigureOut">
               <a:rPr lang="es-ES" smtClean="0"/>
-              <a:t>13/08/2021</a:t>
+              <a:t>17/08/2021</a:t>
             </a:fld>
             <a:endParaRPr lang="es-ES"/>
           </a:p>
@@ -2926,7 +2954,7 @@
           <a:p>
             <a:fld id="{1F6196E6-A1E2-498F-A5E6-F2CEE67873E6}" type="datetimeFigureOut">
               <a:rPr lang="es-ES" smtClean="0"/>
-              <a:t>13/08/2021</a:t>
+              <a:t>17/08/2021</a:t>
             </a:fld>
             <a:endParaRPr lang="es-ES"/>
           </a:p>
@@ -3679,6 +3707,93 @@
 </p:sld>
 </file>
 
+<file path=ppt/slides/slide3.xml><?xml version="1.0" encoding="utf-8"?>
+<p:sld xmlns:a="http://schemas.openxmlformats.org/drawingml/2006/main" xmlns:r="http://schemas.openxmlformats.org/officeDocument/2006/relationships" xmlns:p="http://schemas.openxmlformats.org/presentationml/2006/main">
+  <p:cSld>
+    <p:spTree>
+      <p:nvGrpSpPr>
+        <p:cNvPr id="1" name=""/>
+        <p:cNvGrpSpPr/>
+        <p:nvPr/>
+      </p:nvGrpSpPr>
+      <p:grpSpPr>
+        <a:xfrm>
+          <a:off x="0" y="0"/>
+          <a:ext cx="0" cy="0"/>
+          <a:chOff x="0" y="0"/>
+          <a:chExt cx="0" cy="0"/>
+        </a:xfrm>
+      </p:grpSpPr>
+    </p:spTree>
+    <p:controls>
+      <mc:AlternateContent xmlns:mc="http://schemas.openxmlformats.org/markup-compatibility/2006">
+        <mc:Choice xmlns:v="urn:schemas-microsoft-com:vml" Requires="v">
+          <p:control name="WebBrowser1" r:id="rId1" imgW="12192120" imgH="6858000"/>
+        </mc:Choice>
+        <mc:Fallback>
+          <p:control name="WebBrowser1" r:id="rId1" imgW="12192120" imgH="6858000">
+            <p:pic>
+              <p:nvPicPr>
+                <p:cNvPr id="2" name="WebBrowser1">
+                  <a:extLst>
+                    <a:ext uri="{FF2B5EF4-FFF2-40B4-BE49-F238E27FC236}">
+                      <a16:creationId xmlns:a16="http://schemas.microsoft.com/office/drawing/2014/main" id="{92E4878E-C42E-44DB-B728-873EA5096142}"/>
+                    </a:ext>
+                  </a:extLst>
+                </p:cNvPr>
+                <p:cNvPicPr>
+                  <a:picLocks/>
+                </p:cNvPicPr>
+                <p:nvPr>
+                  <p:custDataLst>
+                    <p:tags r:id="rId2"/>
+                  </p:custDataLst>
+                </p:nvPr>
+              </p:nvPicPr>
+              <p:blipFill>
+                <a:blip r:embed="rId4"/>
+                <a:stretch>
+                  <a:fillRect/>
+                </a:stretch>
+              </p:blipFill>
+              <p:spPr>
+                <a:xfrm>
+                  <a:off x="0" y="0"/>
+                  <a:ext cx="12192000" cy="6858000"/>
+                </a:xfrm>
+                <a:prstGeom prst="rect">
+                  <a:avLst/>
+                </a:prstGeom>
+              </p:spPr>
+            </p:pic>
+          </p:control>
+        </mc:Fallback>
+      </mc:AlternateContent>
+    </p:controls>
+    <p:extLst>
+      <p:ext uri="{BB962C8B-B14F-4D97-AF65-F5344CB8AC3E}">
+        <p14:creationId xmlns:p14="http://schemas.microsoft.com/office/powerpoint/2010/main" val="1588375566"/>
+      </p:ext>
+    </p:extLst>
+  </p:cSld>
+  <p:clrMapOvr>
+    <a:masterClrMapping/>
+  </p:clrMapOvr>
+</p:sld>
+</file>
+
+<file path=ppt/tags/tag1.xml><?xml version="1.0" encoding="utf-8"?>
+<p:tagLst xmlns:a="http://schemas.openxmlformats.org/drawingml/2006/main" xmlns:r="http://schemas.openxmlformats.org/officeDocument/2006/relationships" xmlns:p="http://schemas.openxmlformats.org/presentationml/2006/main">
+  <p:tag name="URL" val="https://public.tableau.com/views/F_Proj/File-Link?:language=en-US&amp;:display_count=n&amp;:origin=viz_share_link"/>
+  <p:tag name="LOOP" val="0"/>
+  <p:tag name="SIZE" val="100"/>
+  <p:tag name="POSITION" val="3"/>
+  <p:tag name="RESIDUE" val="-1"/>
+  <p:tag name="ZOOM" val="100"/>
+  <p:tag name="ZOOMINDEX" val="2"/>
+</p:tagLst>
+</file>
+
 <file path=ppt/theme/theme1.xml><?xml version="1.0" encoding="utf-8"?>
 <a:theme xmlns:a="http://schemas.openxmlformats.org/drawingml/2006/main" name="Office Theme">
   <a:themeElements>
